--- a/folded_gilbert/試作/試作回路.pptx
+++ b/folded_gilbert/試作/試作回路.pptx
@@ -268,7 +268,7 @@
           <a:p>
             <a:fld id="{DF82C9E2-EE3C-4033-A23B-46897CC99DB7}" type="datetimeFigureOut">
               <a:rPr kumimoji="1" lang="ja-JP" altLang="en-US" smtClean="0"/>
-              <a:t>2023/11/26</a:t>
+              <a:t>2023/11/27</a:t>
             </a:fld>
             <a:endParaRPr kumimoji="1" lang="ja-JP" altLang="en-US"/>
           </a:p>
@@ -498,7 +498,7 @@
           <a:p>
             <a:fld id="{DF82C9E2-EE3C-4033-A23B-46897CC99DB7}" type="datetimeFigureOut">
               <a:rPr kumimoji="1" lang="ja-JP" altLang="en-US" smtClean="0"/>
-              <a:t>2023/11/26</a:t>
+              <a:t>2023/11/27</a:t>
             </a:fld>
             <a:endParaRPr kumimoji="1" lang="ja-JP" altLang="en-US"/>
           </a:p>
@@ -738,7 +738,7 @@
           <a:p>
             <a:fld id="{DF82C9E2-EE3C-4033-A23B-46897CC99DB7}" type="datetimeFigureOut">
               <a:rPr kumimoji="1" lang="ja-JP" altLang="en-US" smtClean="0"/>
-              <a:t>2023/11/26</a:t>
+              <a:t>2023/11/27</a:t>
             </a:fld>
             <a:endParaRPr kumimoji="1" lang="ja-JP" altLang="en-US"/>
           </a:p>
@@ -968,7 +968,7 @@
           <a:p>
             <a:fld id="{DF82C9E2-EE3C-4033-A23B-46897CC99DB7}" type="datetimeFigureOut">
               <a:rPr kumimoji="1" lang="ja-JP" altLang="en-US" smtClean="0"/>
-              <a:t>2023/11/26</a:t>
+              <a:t>2023/11/27</a:t>
             </a:fld>
             <a:endParaRPr kumimoji="1" lang="ja-JP" altLang="en-US"/>
           </a:p>
@@ -1243,7 +1243,7 @@
           <a:p>
             <a:fld id="{DF82C9E2-EE3C-4033-A23B-46897CC99DB7}" type="datetimeFigureOut">
               <a:rPr kumimoji="1" lang="ja-JP" altLang="en-US" smtClean="0"/>
-              <a:t>2023/11/26</a:t>
+              <a:t>2023/11/27</a:t>
             </a:fld>
             <a:endParaRPr kumimoji="1" lang="ja-JP" altLang="en-US"/>
           </a:p>
@@ -1572,7 +1572,7 @@
           <a:p>
             <a:fld id="{DF82C9E2-EE3C-4033-A23B-46897CC99DB7}" type="datetimeFigureOut">
               <a:rPr kumimoji="1" lang="ja-JP" altLang="en-US" smtClean="0"/>
-              <a:t>2023/11/26</a:t>
+              <a:t>2023/11/27</a:t>
             </a:fld>
             <a:endParaRPr kumimoji="1" lang="ja-JP" altLang="en-US"/>
           </a:p>
@@ -2048,7 +2048,7 @@
           <a:p>
             <a:fld id="{DF82C9E2-EE3C-4033-A23B-46897CC99DB7}" type="datetimeFigureOut">
               <a:rPr kumimoji="1" lang="ja-JP" altLang="en-US" smtClean="0"/>
-              <a:t>2023/11/26</a:t>
+              <a:t>2023/11/27</a:t>
             </a:fld>
             <a:endParaRPr kumimoji="1" lang="ja-JP" altLang="en-US"/>
           </a:p>
@@ -2189,7 +2189,7 @@
           <a:p>
             <a:fld id="{DF82C9E2-EE3C-4033-A23B-46897CC99DB7}" type="datetimeFigureOut">
               <a:rPr kumimoji="1" lang="ja-JP" altLang="en-US" smtClean="0"/>
-              <a:t>2023/11/26</a:t>
+              <a:t>2023/11/27</a:t>
             </a:fld>
             <a:endParaRPr kumimoji="1" lang="ja-JP" altLang="en-US"/>
           </a:p>
@@ -2302,7 +2302,7 @@
           <a:p>
             <a:fld id="{DF82C9E2-EE3C-4033-A23B-46897CC99DB7}" type="datetimeFigureOut">
               <a:rPr kumimoji="1" lang="ja-JP" altLang="en-US" smtClean="0"/>
-              <a:t>2023/11/26</a:t>
+              <a:t>2023/11/27</a:t>
             </a:fld>
             <a:endParaRPr kumimoji="1" lang="ja-JP" altLang="en-US"/>
           </a:p>
@@ -2645,7 +2645,7 @@
           <a:p>
             <a:fld id="{DF82C9E2-EE3C-4033-A23B-46897CC99DB7}" type="datetimeFigureOut">
               <a:rPr kumimoji="1" lang="ja-JP" altLang="en-US" smtClean="0"/>
-              <a:t>2023/11/26</a:t>
+              <a:t>2023/11/27</a:t>
             </a:fld>
             <a:endParaRPr kumimoji="1" lang="ja-JP" altLang="en-US"/>
           </a:p>
@@ -2933,7 +2933,7 @@
           <a:p>
             <a:fld id="{DF82C9E2-EE3C-4033-A23B-46897CC99DB7}" type="datetimeFigureOut">
               <a:rPr kumimoji="1" lang="ja-JP" altLang="en-US" smtClean="0"/>
-              <a:t>2023/11/26</a:t>
+              <a:t>2023/11/27</a:t>
             </a:fld>
             <a:endParaRPr kumimoji="1" lang="ja-JP" altLang="en-US"/>
           </a:p>
@@ -3206,7 +3206,7 @@
           <a:p>
             <a:fld id="{DF82C9E2-EE3C-4033-A23B-46897CC99DB7}" type="datetimeFigureOut">
               <a:rPr kumimoji="1" lang="ja-JP" altLang="en-US" smtClean="0"/>
-              <a:t>2023/11/26</a:t>
+              <a:t>2023/11/27</a:t>
             </a:fld>
             <a:endParaRPr kumimoji="1" lang="ja-JP" altLang="en-US"/>
           </a:p>
@@ -4061,8 +4061,8 @@
           </a:prstGeom>
         </p:spPr>
       </p:pic>
-      <mc:AlternateContent xmlns:mc="http://schemas.openxmlformats.org/markup-compatibility/2006">
-        <mc:Choice xmlns:a14="http://schemas.microsoft.com/office/drawing/2010/main" Requires="a14">
+      <mc:AlternateContent xmlns:mc="http://schemas.openxmlformats.org/markup-compatibility/2006" xmlns:a14="http://schemas.microsoft.com/office/drawing/2010/main">
+        <mc:Choice Requires="a14">
           <p:sp>
             <p:nvSpPr>
               <p:cNvPr id="5" name="テキスト ボックス 4">
@@ -4124,6 +4124,7 @@
                 <a:endParaRPr kumimoji="1" lang="en-US" altLang="ja-JP" sz="2400" dirty="0"/>
               </a:p>
               <a:p>
+                <a:pPr/>
                 <a14:m>
                   <m:oMathPara xmlns:m="http://schemas.openxmlformats.org/officeDocument/2006/math">
                     <m:oMathParaPr>
@@ -4221,7 +4222,7 @@
             </p:txBody>
           </p:sp>
         </mc:Choice>
-        <mc:Fallback>
+        <mc:Fallback xmlns="">
           <p:sp>
             <p:nvSpPr>
               <p:cNvPr id="5" name="テキスト ボックス 4">
@@ -4496,8 +4497,8 @@
           </a:prstGeom>
         </p:spPr>
       </p:pic>
-      <mc:AlternateContent xmlns:mc="http://schemas.openxmlformats.org/markup-compatibility/2006">
-        <mc:Choice xmlns:a14="http://schemas.microsoft.com/office/drawing/2010/main" Requires="a14">
+      <mc:AlternateContent xmlns:mc="http://schemas.openxmlformats.org/markup-compatibility/2006" xmlns:a14="http://schemas.microsoft.com/office/drawing/2010/main">
+        <mc:Choice Requires="a14">
           <p:sp>
             <p:nvSpPr>
               <p:cNvPr id="5" name="テキスト ボックス 4">
@@ -4633,7 +4634,7 @@
             </p:txBody>
           </p:sp>
         </mc:Choice>
-        <mc:Fallback>
+        <mc:Fallback xmlns="">
           <p:sp>
             <p:nvSpPr>
               <p:cNvPr id="5" name="テキスト ボックス 4">
@@ -4815,8 +4816,8 @@
           </a:prstGeom>
         </p:spPr>
       </p:pic>
-      <mc:AlternateContent xmlns:mc="http://schemas.openxmlformats.org/markup-compatibility/2006">
-        <mc:Choice xmlns:a14="http://schemas.microsoft.com/office/drawing/2010/main" Requires="a14">
+      <mc:AlternateContent xmlns:mc="http://schemas.openxmlformats.org/markup-compatibility/2006" xmlns:a14="http://schemas.microsoft.com/office/drawing/2010/main">
+        <mc:Choice Requires="a14">
           <p:sp>
             <p:nvSpPr>
               <p:cNvPr id="5" name="テキスト ボックス 4">
@@ -4931,7 +4932,7 @@
             </p:txBody>
           </p:sp>
         </mc:Choice>
-        <mc:Fallback>
+        <mc:Fallback xmlns="">
           <p:sp>
             <p:nvSpPr>
               <p:cNvPr id="5" name="テキスト ボックス 4">
@@ -4976,8 +4977,8 @@
           </p:sp>
         </mc:Fallback>
       </mc:AlternateContent>
-      <mc:AlternateContent xmlns:mc="http://schemas.openxmlformats.org/markup-compatibility/2006">
-        <mc:Choice xmlns:a14="http://schemas.microsoft.com/office/drawing/2010/main" Requires="a14">
+      <mc:AlternateContent xmlns:mc="http://schemas.openxmlformats.org/markup-compatibility/2006" xmlns:a14="http://schemas.microsoft.com/office/drawing/2010/main">
+        <mc:Choice Requires="a14">
           <p:sp>
             <p:nvSpPr>
               <p:cNvPr id="6" name="テキスト ボックス 5">
@@ -5069,7 +5070,7 @@
             </p:txBody>
           </p:sp>
         </mc:Choice>
-        <mc:Fallback>
+        <mc:Fallback xmlns="">
           <p:sp>
             <p:nvSpPr>
               <p:cNvPr id="6" name="テキスト ボックス 5">
@@ -5215,8 +5216,8 @@
           </a:prstGeom>
         </p:spPr>
       </p:pic>
-      <mc:AlternateContent xmlns:mc="http://schemas.openxmlformats.org/markup-compatibility/2006">
-        <mc:Choice xmlns:a14="http://schemas.microsoft.com/office/drawing/2010/main" Requires="a14">
+      <mc:AlternateContent xmlns:mc="http://schemas.openxmlformats.org/markup-compatibility/2006" xmlns:a14="http://schemas.microsoft.com/office/drawing/2010/main">
+        <mc:Choice Requires="a14">
           <p:sp>
             <p:nvSpPr>
               <p:cNvPr id="7" name="テキスト ボックス 6">
@@ -5272,7 +5273,7 @@
                     <m:sSub>
                       <m:sSubPr>
                         <m:ctrlPr>
-                          <a:rPr kumimoji="1" lang="en-US" altLang="ja-JP" sz="2400" b="0" smtClean="0">
+                          <a:rPr kumimoji="1" lang="en-US" altLang="ja-JP" sz="2400" b="0" i="1" smtClean="0">
                             <a:latin typeface="Cambria Math" panose="02040503050406030204" pitchFamily="18" charset="0"/>
                           </a:rPr>
                         </m:ctrlPr>
@@ -5386,7 +5387,7 @@
             </p:txBody>
           </p:sp>
         </mc:Choice>
-        <mc:Fallback>
+        <mc:Fallback xmlns="">
           <p:sp>
             <p:nvSpPr>
               <p:cNvPr id="7" name="テキスト ボックス 6">
